--- a/InfoSec/PPTs/CH12-OS Security.pptx
+++ b/InfoSec/PPTs/CH12-OS Security.pptx
@@ -5,10 +5,10 @@
     <p:sldMasterId id="2147483878" r:id="rId1"/>
   </p:sldMasterIdLst>
   <p:notesMasterIdLst>
-    <p:notesMasterId r:id="rId29"/>
+    <p:notesMasterId r:id="rId30"/>
   </p:notesMasterIdLst>
   <p:handoutMasterIdLst>
-    <p:handoutMasterId r:id="rId30"/>
+    <p:handoutMasterId r:id="rId31"/>
   </p:handoutMasterIdLst>
   <p:sldIdLst>
     <p:sldId id="384" r:id="rId2"/>
@@ -34,10 +34,11 @@
     <p:sldId id="390" r:id="rId22"/>
     <p:sldId id="280" r:id="rId23"/>
     <p:sldId id="281" r:id="rId24"/>
-    <p:sldId id="397" r:id="rId25"/>
-    <p:sldId id="285" r:id="rId26"/>
-    <p:sldId id="393" r:id="rId27"/>
-    <p:sldId id="394" r:id="rId28"/>
+    <p:sldId id="399" r:id="rId25"/>
+    <p:sldId id="397" r:id="rId26"/>
+    <p:sldId id="285" r:id="rId27"/>
+    <p:sldId id="393" r:id="rId28"/>
+    <p:sldId id="394" r:id="rId29"/>
   </p:sldIdLst>
   <p:sldSz cx="9144000" cy="6858000" type="screen4x3"/>
   <p:notesSz cx="6858000" cy="9144000"/>
@@ -194,6 +195,7 @@
             <p14:sldId id="390"/>
             <p14:sldId id="280"/>
             <p14:sldId id="281"/>
+            <p14:sldId id="399"/>
             <p14:sldId id="397"/>
             <p14:sldId id="285"/>
             <p14:sldId id="393"/>
@@ -329,7 +331,7 @@
             <a:fld id="{999DDEF9-8F79-3F4A-8C1A-CB2E900DCD92}" type="datetimeFigureOut">
               <a:rPr lang="en-US" smtClean="0"/>
               <a:pPr/>
-              <a:t>4/19/2020</a:t>
+              <a:t>4/21/2020</a:t>
             </a:fld>
             <a:endParaRPr lang="en-US"/>
           </a:p>
@@ -3249,7 +3251,7 @@
             </a:pPr>
             <a:fld id="{00000000-1234-1234-1234-123412341234}" type="slidenum">
               <a:rPr lang="en-US"/>
-              <a:t>25</a:t>
+              <a:t>26</a:t>
             </a:fld>
             <a:endParaRPr lang="en-US"/>
           </a:p>
@@ -9524,7 +9526,7 @@
               <a:buNone/>
             </a:pPr>
             <a:r>
-              <a:rPr lang="en-US">
+              <a:rPr lang="en-US" dirty="0">
                 <a:solidFill>
                   <a:srgbClr val="9B37AA"/>
                 </a:solidFill>
@@ -9721,6 +9723,201 @@
           <p:cNvPr id="2" name="Title 1">
             <a:extLst>
               <a:ext uri="{FF2B5EF4-FFF2-40B4-BE49-F238E27FC236}">
+                <a16:creationId xmlns:a16="http://schemas.microsoft.com/office/drawing/2014/main" id="{CB558978-E15C-40B8-A0D5-69B57A20DA56}"/>
+              </a:ext>
+            </a:extLst>
+          </p:cNvPr>
+          <p:cNvSpPr>
+            <a:spLocks noGrp="1"/>
+          </p:cNvSpPr>
+          <p:nvPr>
+            <p:ph type="title"/>
+          </p:nvPr>
+        </p:nvSpPr>
+        <p:spPr/>
+        <p:txBody>
+          <a:bodyPr/>
+          <a:lstStyle/>
+          <a:p>
+            <a:r>
+              <a:rPr lang="en-US" dirty="0"/>
+              <a:t>Types of Virtualization</a:t>
+            </a:r>
+            <a:endParaRPr lang="en-SE" dirty="0"/>
+          </a:p>
+        </p:txBody>
+      </p:sp>
+      <p:sp>
+        <p:nvSpPr>
+          <p:cNvPr id="3" name="Content Placeholder 2">
+            <a:extLst>
+              <a:ext uri="{FF2B5EF4-FFF2-40B4-BE49-F238E27FC236}">
+                <a16:creationId xmlns:a16="http://schemas.microsoft.com/office/drawing/2014/main" id="{84C7A70A-1EC3-483D-B3DC-E40A3B92CCF2}"/>
+              </a:ext>
+            </a:extLst>
+          </p:cNvPr>
+          <p:cNvSpPr>
+            <a:spLocks noGrp="1"/>
+          </p:cNvSpPr>
+          <p:nvPr>
+            <p:ph idx="1"/>
+          </p:nvPr>
+        </p:nvSpPr>
+        <p:spPr>
+          <a:xfrm>
+            <a:off x="323528" y="1196753"/>
+            <a:ext cx="8568952" cy="1944215"/>
+          </a:xfrm>
+        </p:spPr>
+        <p:txBody>
+          <a:bodyPr>
+            <a:normAutofit fontScale="40000" lnSpcReduction="20000"/>
+          </a:bodyPr>
+          <a:lstStyle/>
+          <a:p>
+            <a:r>
+              <a:rPr lang="en-US" dirty="0"/>
+              <a:t>Type 1 hypervisor runs directly on top of hardware; also called bare-metal hypervisor or native virtualization.</a:t>
+            </a:r>
+          </a:p>
+          <a:p>
+            <a:pPr lvl="1"/>
+            <a:r>
+              <a:rPr lang="en-US" dirty="0"/>
+              <a:t>XEN</a:t>
+            </a:r>
+          </a:p>
+          <a:p>
+            <a:r>
+              <a:rPr lang="en-US" dirty="0"/>
+              <a:t>Type 2 hypervisor runs on top of a host OS; also called hosted hypervisor or hosted virtualization.</a:t>
+            </a:r>
+          </a:p>
+          <a:p>
+            <a:pPr lvl="1"/>
+            <a:r>
+              <a:rPr lang="en-US" dirty="0"/>
+              <a:t>KVM, VMWare</a:t>
+            </a:r>
+          </a:p>
+          <a:p>
+            <a:r>
+              <a:rPr lang="en-US" dirty="0"/>
+              <a:t>Container runs on top of a host OS as a process; also called process or application virtualization. Lightweight but less secure than Type 1 or 2 hypervisor.</a:t>
+            </a:r>
+          </a:p>
+          <a:p>
+            <a:pPr lvl="1"/>
+            <a:r>
+              <a:rPr lang="en-US" dirty="0"/>
+              <a:t>Docker</a:t>
+            </a:r>
+          </a:p>
+          <a:p>
+            <a:endParaRPr lang="en-SE" dirty="0"/>
+          </a:p>
+        </p:txBody>
+      </p:sp>
+      <p:sp>
+        <p:nvSpPr>
+          <p:cNvPr id="4" name="Slide Number Placeholder 3">
+            <a:extLst>
+              <a:ext uri="{FF2B5EF4-FFF2-40B4-BE49-F238E27FC236}">
+                <a16:creationId xmlns:a16="http://schemas.microsoft.com/office/drawing/2014/main" id="{10520F1C-6526-46B5-BA9A-8844F74F40C6}"/>
+              </a:ext>
+            </a:extLst>
+          </p:cNvPr>
+          <p:cNvSpPr>
+            <a:spLocks noGrp="1"/>
+          </p:cNvSpPr>
+          <p:nvPr>
+            <p:ph type="sldNum" sz="quarter" idx="12"/>
+          </p:nvPr>
+        </p:nvSpPr>
+        <p:spPr/>
+        <p:txBody>
+          <a:bodyPr/>
+          <a:lstStyle/>
+          <a:p>
+            <a:pPr>
+              <a:defRPr/>
+            </a:pPr>
+            <a:fld id="{F57F456A-00AF-44E6-8D70-638C0D0130FF}" type="slidenum">
+              <a:rPr lang="en-US" altLang="zh-CN" smtClean="0"/>
+              <a:pPr>
+                <a:defRPr/>
+              </a:pPr>
+              <a:t>24</a:t>
+            </a:fld>
+            <a:endParaRPr lang="en-US" altLang="zh-CN" dirty="0"/>
+          </a:p>
+        </p:txBody>
+      </p:sp>
+      <p:pic>
+        <p:nvPicPr>
+          <p:cNvPr id="5" name="Picture 4">
+            <a:extLst>
+              <a:ext uri="{FF2B5EF4-FFF2-40B4-BE49-F238E27FC236}">
+                <a16:creationId xmlns:a16="http://schemas.microsoft.com/office/drawing/2014/main" id="{F0C83756-9AFB-47D9-86CC-B1187AFFEED4}"/>
+              </a:ext>
+            </a:extLst>
+          </p:cNvPr>
+          <p:cNvPicPr>
+            <a:picLocks noChangeAspect="1"/>
+          </p:cNvPicPr>
+          <p:nvPr/>
+        </p:nvPicPr>
+        <p:blipFill>
+          <a:blip r:embed="rId2"/>
+          <a:stretch>
+            <a:fillRect/>
+          </a:stretch>
+        </p:blipFill>
+        <p:spPr>
+          <a:xfrm>
+            <a:off x="2374825" y="2620830"/>
+            <a:ext cx="4562554" cy="4205706"/>
+          </a:xfrm>
+          <a:prstGeom prst="rect">
+            <a:avLst/>
+          </a:prstGeom>
+        </p:spPr>
+      </p:pic>
+    </p:spTree>
+    <p:extLst>
+      <p:ext uri="{BB962C8B-B14F-4D97-AF65-F5344CB8AC3E}">
+        <p14:creationId xmlns:p14="http://schemas.microsoft.com/office/powerpoint/2010/main" val="260223869"/>
+      </p:ext>
+    </p:extLst>
+  </p:cSld>
+  <p:clrMapOvr>
+    <a:masterClrMapping/>
+  </p:clrMapOvr>
+</p:sld>
+</file>
+
+<file path=ppt/slides/slide25.xml><?xml version="1.0" encoding="utf-8"?>
+<p:sld xmlns:a="http://schemas.openxmlformats.org/drawingml/2006/main" xmlns:r="http://schemas.openxmlformats.org/officeDocument/2006/relationships" xmlns:p="http://schemas.openxmlformats.org/presentationml/2006/main">
+  <p:cSld>
+    <p:spTree>
+      <p:nvGrpSpPr>
+        <p:cNvPr id="1" name=""/>
+        <p:cNvGrpSpPr/>
+        <p:nvPr/>
+      </p:nvGrpSpPr>
+      <p:grpSpPr>
+        <a:xfrm>
+          <a:off x="0" y="0"/>
+          <a:ext cx="0" cy="0"/>
+          <a:chOff x="0" y="0"/>
+          <a:chExt cx="0" cy="0"/>
+        </a:xfrm>
+      </p:grpSpPr>
+      <p:sp>
+        <p:nvSpPr>
+          <p:cNvPr id="2" name="Title 1">
+            <a:extLst>
+              <a:ext uri="{FF2B5EF4-FFF2-40B4-BE49-F238E27FC236}">
                 <a16:creationId xmlns:a16="http://schemas.microsoft.com/office/drawing/2014/main" id="{A375F948-A0FC-4F5F-90A9-7DB709214AEB}"/>
               </a:ext>
             </a:extLst>
@@ -9806,7 +10003,7 @@
               <a:pPr>
                 <a:defRPr/>
               </a:pPr>
-              <a:t>24</a:t>
+              <a:t>25</a:t>
             </a:fld>
             <a:endParaRPr lang="en-US" altLang="zh-CN" dirty="0"/>
           </a:p>
@@ -9825,7 +10022,7 @@
 </p:sld>
 </file>
 
-<file path=ppt/slides/slide25.xml><?xml version="1.0" encoding="utf-8"?>
+<file path=ppt/slides/slide26.xml><?xml version="1.0" encoding="utf-8"?>
 <p:sld xmlns:a="http://schemas.openxmlformats.org/drawingml/2006/main" xmlns:r="http://schemas.openxmlformats.org/officeDocument/2006/relationships" xmlns:p="http://schemas.openxmlformats.org/presentationml/2006/main">
   <p:cSld>
     <p:spTree>
@@ -10013,171 +10210,6 @@
   <p:transition spd="slow">
     <p:cut/>
   </p:transition>
-</p:sld>
-</file>
-
-<file path=ppt/slides/slide26.xml><?xml version="1.0" encoding="utf-8"?>
-<p:sld xmlns:a="http://schemas.openxmlformats.org/drawingml/2006/main" xmlns:r="http://schemas.openxmlformats.org/officeDocument/2006/relationships" xmlns:p="http://schemas.openxmlformats.org/presentationml/2006/main">
-  <p:cSld>
-    <p:spTree>
-      <p:nvGrpSpPr>
-        <p:cNvPr id="1" name=""/>
-        <p:cNvGrpSpPr/>
-        <p:nvPr/>
-      </p:nvGrpSpPr>
-      <p:grpSpPr>
-        <a:xfrm>
-          <a:off x="0" y="0"/>
-          <a:ext cx="0" cy="0"/>
-          <a:chOff x="0" y="0"/>
-          <a:chExt cx="0" cy="0"/>
-        </a:xfrm>
-      </p:grpSpPr>
-      <p:sp>
-        <p:nvSpPr>
-          <p:cNvPr id="2" name="Title 1">
-            <a:extLst>
-              <a:ext uri="{FF2B5EF4-FFF2-40B4-BE49-F238E27FC236}">
-                <a16:creationId xmlns:a16="http://schemas.microsoft.com/office/drawing/2014/main" id="{13021D64-7920-4BB5-8D53-65CE293C1F56}"/>
-              </a:ext>
-            </a:extLst>
-          </p:cNvPr>
-          <p:cNvSpPr>
-            <a:spLocks noGrp="1"/>
-          </p:cNvSpPr>
-          <p:nvPr>
-            <p:ph type="title"/>
-          </p:nvPr>
-        </p:nvSpPr>
-        <p:spPr/>
-        <p:txBody>
-          <a:bodyPr/>
-          <a:lstStyle/>
-          <a:p>
-            <a:r>
-              <a:rPr lang="en-US" dirty="0"/>
-              <a:t>TCB Requirements Quiz</a:t>
-            </a:r>
-            <a:endParaRPr lang="en-SE" dirty="0"/>
-          </a:p>
-        </p:txBody>
-      </p:sp>
-      <p:sp>
-        <p:nvSpPr>
-          <p:cNvPr id="3" name="Content Placeholder 2">
-            <a:extLst>
-              <a:ext uri="{FF2B5EF4-FFF2-40B4-BE49-F238E27FC236}">
-                <a16:creationId xmlns:a16="http://schemas.microsoft.com/office/drawing/2014/main" id="{CA540A08-663F-4DC7-91B4-55F551FAD6DD}"/>
-              </a:ext>
-            </a:extLst>
-          </p:cNvPr>
-          <p:cNvSpPr>
-            <a:spLocks noGrp="1"/>
-          </p:cNvSpPr>
-          <p:nvPr>
-            <p:ph idx="1"/>
-          </p:nvPr>
-        </p:nvSpPr>
-        <p:spPr/>
-        <p:txBody>
-          <a:bodyPr/>
-          <a:lstStyle/>
-          <a:p>
-            <a:r>
-              <a:rPr lang="en-US" dirty="0"/>
-              <a:t>What TCB requirement is violated as a result of an attack that exploits a vulnerability in an OS turns off the check that is performed before access to a protected resource is granted. </a:t>
-            </a:r>
-          </a:p>
-          <a:p>
-            <a:pPr marL="971550" lvl="1" indent="-514350">
-              <a:buFont typeface="+mj-lt"/>
-              <a:buAutoNum type="alphaUcPeriod"/>
-            </a:pPr>
-            <a:r>
-              <a:rPr lang="en-US" dirty="0"/>
-              <a:t>Complete mediation</a:t>
-            </a:r>
-          </a:p>
-          <a:p>
-            <a:pPr marL="971550" lvl="1" indent="-514350">
-              <a:buFont typeface="+mj-lt"/>
-              <a:buAutoNum type="alphaUcPeriod"/>
-            </a:pPr>
-            <a:r>
-              <a:rPr lang="en-US" dirty="0"/>
-              <a:t>Correctness </a:t>
-            </a:r>
-          </a:p>
-          <a:p>
-            <a:pPr marL="971550" lvl="1" indent="-514350">
-              <a:buFont typeface="+mj-lt"/>
-              <a:buAutoNum type="alphaUcPeriod"/>
-            </a:pPr>
-            <a:r>
-              <a:rPr lang="en-US" dirty="0"/>
-              <a:t>Tamper-proof</a:t>
-            </a:r>
-          </a:p>
-          <a:p>
-            <a:r>
-              <a:rPr lang="en-US" dirty="0"/>
-              <a:t>ANS: A, C</a:t>
-            </a:r>
-          </a:p>
-          <a:p>
-            <a:pPr lvl="1"/>
-            <a:endParaRPr lang="en-US" dirty="0"/>
-          </a:p>
-          <a:p>
-            <a:endParaRPr lang="en-SE" dirty="0"/>
-          </a:p>
-        </p:txBody>
-      </p:sp>
-      <p:sp>
-        <p:nvSpPr>
-          <p:cNvPr id="4" name="Slide Number Placeholder 3">
-            <a:extLst>
-              <a:ext uri="{FF2B5EF4-FFF2-40B4-BE49-F238E27FC236}">
-                <a16:creationId xmlns:a16="http://schemas.microsoft.com/office/drawing/2014/main" id="{10FBE5AF-2E11-4BDD-AB28-07BE7D642C94}"/>
-              </a:ext>
-            </a:extLst>
-          </p:cNvPr>
-          <p:cNvSpPr>
-            <a:spLocks noGrp="1"/>
-          </p:cNvSpPr>
-          <p:nvPr>
-            <p:ph type="sldNum" sz="quarter" idx="12"/>
-          </p:nvPr>
-        </p:nvSpPr>
-        <p:spPr/>
-        <p:txBody>
-          <a:bodyPr/>
-          <a:lstStyle/>
-          <a:p>
-            <a:pPr>
-              <a:defRPr/>
-            </a:pPr>
-            <a:fld id="{F57F456A-00AF-44E6-8D70-638C0D0130FF}" type="slidenum">
-              <a:rPr lang="en-US" altLang="zh-CN" smtClean="0"/>
-              <a:pPr>
-                <a:defRPr/>
-              </a:pPr>
-              <a:t>26</a:t>
-            </a:fld>
-            <a:endParaRPr lang="en-US" altLang="zh-CN" dirty="0"/>
-          </a:p>
-        </p:txBody>
-      </p:sp>
-    </p:spTree>
-    <p:extLst>
-      <p:ext uri="{BB962C8B-B14F-4D97-AF65-F5344CB8AC3E}">
-        <p14:creationId xmlns:p14="http://schemas.microsoft.com/office/powerpoint/2010/main" val="591984165"/>
-      </p:ext>
-    </p:extLst>
-  </p:cSld>
-  <p:clrMapOvr>
-    <a:masterClrMapping/>
-  </p:clrMapOvr>
 </p:sld>
 </file>
 
@@ -10203,6 +10235,171 @@
           <p:cNvPr id="2" name="Title 1">
             <a:extLst>
               <a:ext uri="{FF2B5EF4-FFF2-40B4-BE49-F238E27FC236}">
+                <a16:creationId xmlns:a16="http://schemas.microsoft.com/office/drawing/2014/main" id="{13021D64-7920-4BB5-8D53-65CE293C1F56}"/>
+              </a:ext>
+            </a:extLst>
+          </p:cNvPr>
+          <p:cNvSpPr>
+            <a:spLocks noGrp="1"/>
+          </p:cNvSpPr>
+          <p:nvPr>
+            <p:ph type="title"/>
+          </p:nvPr>
+        </p:nvSpPr>
+        <p:spPr/>
+        <p:txBody>
+          <a:bodyPr/>
+          <a:lstStyle/>
+          <a:p>
+            <a:r>
+              <a:rPr lang="en-US" dirty="0"/>
+              <a:t>TCB Requirements Quiz</a:t>
+            </a:r>
+            <a:endParaRPr lang="en-SE" dirty="0"/>
+          </a:p>
+        </p:txBody>
+      </p:sp>
+      <p:sp>
+        <p:nvSpPr>
+          <p:cNvPr id="3" name="Content Placeholder 2">
+            <a:extLst>
+              <a:ext uri="{FF2B5EF4-FFF2-40B4-BE49-F238E27FC236}">
+                <a16:creationId xmlns:a16="http://schemas.microsoft.com/office/drawing/2014/main" id="{CA540A08-663F-4DC7-91B4-55F551FAD6DD}"/>
+              </a:ext>
+            </a:extLst>
+          </p:cNvPr>
+          <p:cNvSpPr>
+            <a:spLocks noGrp="1"/>
+          </p:cNvSpPr>
+          <p:nvPr>
+            <p:ph idx="1"/>
+          </p:nvPr>
+        </p:nvSpPr>
+        <p:spPr/>
+        <p:txBody>
+          <a:bodyPr/>
+          <a:lstStyle/>
+          <a:p>
+            <a:r>
+              <a:rPr lang="en-US" dirty="0"/>
+              <a:t>What TCB requirement is violated as a result of an attack that exploits a vulnerability in an OS turns off the check that is performed before access to a protected resource is granted. </a:t>
+            </a:r>
+          </a:p>
+          <a:p>
+            <a:pPr marL="971550" lvl="1" indent="-514350">
+              <a:buFont typeface="+mj-lt"/>
+              <a:buAutoNum type="alphaUcPeriod"/>
+            </a:pPr>
+            <a:r>
+              <a:rPr lang="en-US" dirty="0"/>
+              <a:t>Complete mediation</a:t>
+            </a:r>
+          </a:p>
+          <a:p>
+            <a:pPr marL="971550" lvl="1" indent="-514350">
+              <a:buFont typeface="+mj-lt"/>
+              <a:buAutoNum type="alphaUcPeriod"/>
+            </a:pPr>
+            <a:r>
+              <a:rPr lang="en-US" dirty="0"/>
+              <a:t>Correctness </a:t>
+            </a:r>
+          </a:p>
+          <a:p>
+            <a:pPr marL="971550" lvl="1" indent="-514350">
+              <a:buFont typeface="+mj-lt"/>
+              <a:buAutoNum type="alphaUcPeriod"/>
+            </a:pPr>
+            <a:r>
+              <a:rPr lang="en-US" dirty="0"/>
+              <a:t>Tamper-proof</a:t>
+            </a:r>
+          </a:p>
+          <a:p>
+            <a:r>
+              <a:rPr lang="en-US" dirty="0"/>
+              <a:t>ANS: A, C</a:t>
+            </a:r>
+          </a:p>
+          <a:p>
+            <a:pPr lvl="1"/>
+            <a:endParaRPr lang="en-US" dirty="0"/>
+          </a:p>
+          <a:p>
+            <a:endParaRPr lang="en-SE" dirty="0"/>
+          </a:p>
+        </p:txBody>
+      </p:sp>
+      <p:sp>
+        <p:nvSpPr>
+          <p:cNvPr id="4" name="Slide Number Placeholder 3">
+            <a:extLst>
+              <a:ext uri="{FF2B5EF4-FFF2-40B4-BE49-F238E27FC236}">
+                <a16:creationId xmlns:a16="http://schemas.microsoft.com/office/drawing/2014/main" id="{10FBE5AF-2E11-4BDD-AB28-07BE7D642C94}"/>
+              </a:ext>
+            </a:extLst>
+          </p:cNvPr>
+          <p:cNvSpPr>
+            <a:spLocks noGrp="1"/>
+          </p:cNvSpPr>
+          <p:nvPr>
+            <p:ph type="sldNum" sz="quarter" idx="12"/>
+          </p:nvPr>
+        </p:nvSpPr>
+        <p:spPr/>
+        <p:txBody>
+          <a:bodyPr/>
+          <a:lstStyle/>
+          <a:p>
+            <a:pPr>
+              <a:defRPr/>
+            </a:pPr>
+            <a:fld id="{F57F456A-00AF-44E6-8D70-638C0D0130FF}" type="slidenum">
+              <a:rPr lang="en-US" altLang="zh-CN" smtClean="0"/>
+              <a:pPr>
+                <a:defRPr/>
+              </a:pPr>
+              <a:t>27</a:t>
+            </a:fld>
+            <a:endParaRPr lang="en-US" altLang="zh-CN" dirty="0"/>
+          </a:p>
+        </p:txBody>
+      </p:sp>
+    </p:spTree>
+    <p:extLst>
+      <p:ext uri="{BB962C8B-B14F-4D97-AF65-F5344CB8AC3E}">
+        <p14:creationId xmlns:p14="http://schemas.microsoft.com/office/powerpoint/2010/main" val="591984165"/>
+      </p:ext>
+    </p:extLst>
+  </p:cSld>
+  <p:clrMapOvr>
+    <a:masterClrMapping/>
+  </p:clrMapOvr>
+</p:sld>
+</file>
+
+<file path=ppt/slides/slide28.xml><?xml version="1.0" encoding="utf-8"?>
+<p:sld xmlns:a="http://schemas.openxmlformats.org/drawingml/2006/main" xmlns:r="http://schemas.openxmlformats.org/officeDocument/2006/relationships" xmlns:p="http://schemas.openxmlformats.org/presentationml/2006/main">
+  <p:cSld>
+    <p:spTree>
+      <p:nvGrpSpPr>
+        <p:cNvPr id="1" name=""/>
+        <p:cNvGrpSpPr/>
+        <p:nvPr/>
+      </p:nvGrpSpPr>
+      <p:grpSpPr>
+        <a:xfrm>
+          <a:off x="0" y="0"/>
+          <a:ext cx="0" cy="0"/>
+          <a:chOff x="0" y="0"/>
+          <a:chExt cx="0" cy="0"/>
+        </a:xfrm>
+      </p:grpSpPr>
+      <p:sp>
+        <p:nvSpPr>
+          <p:cNvPr id="2" name="Title 1">
+            <a:extLst>
+              <a:ext uri="{FF2B5EF4-FFF2-40B4-BE49-F238E27FC236}">
                 <a16:creationId xmlns:a16="http://schemas.microsoft.com/office/drawing/2014/main" id="{7C243318-3C72-4F00-93C3-FF8AC172FD83}"/>
               </a:ext>
             </a:extLst>
@@ -10304,7 +10501,7 @@
               <a:pPr>
                 <a:defRPr/>
               </a:pPr>
-              <a:t>27</a:t>
+              <a:t>28</a:t>
             </a:fld>
             <a:endParaRPr lang="en-US" altLang="zh-CN" dirty="0"/>
           </a:p>
